--- a/ProtoBuf/ProtoBuf3.pptx
+++ b/ProtoBuf/ProtoBuf3.pptx
@@ -5,7 +5,7 @@
     <p:sldMasterId id="2147483660" r:id="rId1"/>
   </p:sldMasterIdLst>
   <p:notesMasterIdLst>
-    <p:notesMasterId r:id="rId12"/>
+    <p:notesMasterId r:id="rId11"/>
   </p:notesMasterIdLst>
   <p:sldIdLst>
     <p:sldId id="256" r:id="rId2"/>
@@ -14,10 +14,9 @@
     <p:sldId id="262" r:id="rId5"/>
     <p:sldId id="261" r:id="rId6"/>
     <p:sldId id="263" r:id="rId7"/>
-    <p:sldId id="265" r:id="rId8"/>
-    <p:sldId id="264" r:id="rId9"/>
-    <p:sldId id="260" r:id="rId10"/>
-    <p:sldId id="259" r:id="rId11"/>
+    <p:sldId id="264" r:id="rId8"/>
+    <p:sldId id="260" r:id="rId9"/>
+    <p:sldId id="259" r:id="rId10"/>
   </p:sldIdLst>
   <p:sldSz cx="9144000" cy="6858000" type="screen4x3"/>
   <p:notesSz cx="6858000" cy="9144000"/>
@@ -116,6 +115,22 @@
       </a:defRPr>
     </a:lvl9pPr>
   </p:defaultTextStyle>
+  <p:extLst>
+    <p:ext uri="{EFAFB233-063F-42B5-8137-9DF3F51BA10A}">
+      <p15:sldGuideLst xmlns:p15="http://schemas.microsoft.com/office/powerpoint/2012/main">
+        <p15:guide id="1" orient="horz" pos="2160">
+          <p15:clr>
+            <a:srgbClr val="A4A3A4"/>
+          </p15:clr>
+        </p15:guide>
+        <p15:guide id="2" pos="2880">
+          <p15:clr>
+            <a:srgbClr val="A4A3A4"/>
+          </p15:clr>
+        </p15:guide>
+      </p15:sldGuideLst>
+    </p:ext>
+  </p:extLst>
 </p:presentation>
 </file>
 
@@ -201,7 +216,7 @@
           <a:p>
             <a:fld id="{D8728967-80F6-B54B-8BF2-157C44BAC7C1}" type="datetimeFigureOut">
               <a:rPr lang="en-US" smtClean="0"/>
-              <a:t>15/8/5</a:t>
+              <a:t>11/11/15</a:t>
             </a:fld>
             <a:endParaRPr lang="en-US"/>
           </a:p>
@@ -923,7 +938,7 @@
           <a:p>
             <a:fld id="{C9852E37-E976-4A40-8CE0-11A74F296D32}" type="datetimeFigureOut">
               <a:rPr lang="en-US" smtClean="0"/>
-              <a:t>15/8/5</a:t>
+              <a:t>11/11/15</a:t>
             </a:fld>
             <a:endParaRPr lang="en-US"/>
           </a:p>
@@ -1117,7 +1132,7 @@
           <a:p>
             <a:fld id="{C9852E37-E976-4A40-8CE0-11A74F296D32}" type="datetimeFigureOut">
               <a:rPr lang="en-US" smtClean="0"/>
-              <a:t>15/8/5</a:t>
+              <a:t>11/11/15</a:t>
             </a:fld>
             <a:endParaRPr lang="en-US"/>
           </a:p>
@@ -1305,7 +1320,7 @@
           <a:p>
             <a:fld id="{C9852E37-E976-4A40-8CE0-11A74F296D32}" type="datetimeFigureOut">
               <a:rPr lang="en-US" smtClean="0"/>
-              <a:t>15/8/5</a:t>
+              <a:t>11/11/15</a:t>
             </a:fld>
             <a:endParaRPr lang="en-US"/>
           </a:p>
@@ -1534,7 +1549,7 @@
           <a:p>
             <a:fld id="{C9852E37-E976-4A40-8CE0-11A74F296D32}" type="datetimeFigureOut">
               <a:rPr lang="en-US" smtClean="0"/>
-              <a:t>15/8/5</a:t>
+              <a:t>11/11/15</a:t>
             </a:fld>
             <a:endParaRPr lang="en-US"/>
           </a:p>
@@ -1815,7 +1830,7 @@
           <a:p>
             <a:fld id="{C9852E37-E976-4A40-8CE0-11A74F296D32}" type="datetimeFigureOut">
               <a:rPr lang="en-US" smtClean="0"/>
-              <a:t>15/8/5</a:t>
+              <a:t>11/11/15</a:t>
             </a:fld>
             <a:endParaRPr lang="en-US"/>
           </a:p>
@@ -2103,7 +2118,7 @@
           <a:p>
             <a:fld id="{C9852E37-E976-4A40-8CE0-11A74F296D32}" type="datetimeFigureOut">
               <a:rPr lang="en-US" smtClean="0"/>
-              <a:t>15/8/5</a:t>
+              <a:t>11/11/15</a:t>
             </a:fld>
             <a:endParaRPr lang="en-US"/>
           </a:p>
@@ -2657,7 +2672,7 @@
           <a:p>
             <a:fld id="{C9852E37-E976-4A40-8CE0-11A74F296D32}" type="datetimeFigureOut">
               <a:rPr lang="en-US" smtClean="0"/>
-              <a:t>15/8/5</a:t>
+              <a:t>11/11/15</a:t>
             </a:fld>
             <a:endParaRPr lang="en-US"/>
           </a:p>
@@ -2788,7 +2803,7 @@
           <a:p>
             <a:fld id="{C9852E37-E976-4A40-8CE0-11A74F296D32}" type="datetimeFigureOut">
               <a:rPr lang="en-US" smtClean="0"/>
-              <a:t>15/8/5</a:t>
+              <a:t>11/11/15</a:t>
             </a:fld>
             <a:endParaRPr lang="en-US"/>
           </a:p>
@@ -2938,7 +2953,7 @@
           <a:p>
             <a:fld id="{C9852E37-E976-4A40-8CE0-11A74F296D32}" type="datetimeFigureOut">
               <a:rPr lang="en-US" smtClean="0"/>
-              <a:t>15/8/5</a:t>
+              <a:t>11/11/15</a:t>
             </a:fld>
             <a:endParaRPr lang="en-US"/>
           </a:p>
@@ -3259,7 +3274,7 @@
           <a:p>
             <a:fld id="{C9852E37-E976-4A40-8CE0-11A74F296D32}" type="datetimeFigureOut">
               <a:rPr lang="en-US" smtClean="0"/>
-              <a:t>15/8/5</a:t>
+              <a:t>11/11/15</a:t>
             </a:fld>
             <a:endParaRPr lang="en-US"/>
           </a:p>
@@ -3556,7 +3571,7 @@
           <a:p>
             <a:fld id="{C9852E37-E976-4A40-8CE0-11A74F296D32}" type="datetimeFigureOut">
               <a:rPr lang="en-US" smtClean="0"/>
-              <a:t>15/8/5</a:t>
+              <a:t>11/11/15</a:t>
             </a:fld>
             <a:endParaRPr lang="en-US"/>
           </a:p>
@@ -3801,7 +3816,7 @@
           <a:p>
             <a:fld id="{C9852E37-E976-4A40-8CE0-11A74F296D32}" type="datetimeFigureOut">
               <a:rPr lang="en-US" smtClean="0"/>
-              <a:t>15/8/5</a:t>
+              <a:t>11/11/15</a:t>
             </a:fld>
             <a:endParaRPr lang="en-US"/>
           </a:p>
@@ -4306,7 +4321,15 @@
           <a:p>
             <a:r>
               <a:rPr lang="en-US" altLang="zh-CN" dirty="0" smtClean="0"/>
-              <a:t>Protocol Buffers 3.0</a:t>
+              <a:t>Protocol </a:t>
+            </a:r>
+            <a:r>
+              <a:rPr lang="en-US" altLang="zh-CN" smtClean="0"/>
+              <a:t>Buffers </a:t>
+            </a:r>
+            <a:r>
+              <a:rPr lang="en-US" altLang="zh-CN" smtClean="0"/>
+              <a:t>3</a:t>
             </a:r>
             <a:endParaRPr lang="en-US" dirty="0"/>
           </a:p>
@@ -4374,139 +4397,6 @@
   <p:clrMapOvr>
     <a:masterClrMapping/>
   </p:clrMapOvr>
-</p:sld>
-</file>
-
-<file path=ppt/slides/slide10.xml><?xml version="1.0" encoding="utf-8"?>
-<p:sld xmlns:a="http://schemas.openxmlformats.org/drawingml/2006/main" xmlns:r="http://schemas.openxmlformats.org/officeDocument/2006/relationships" xmlns:p="http://schemas.openxmlformats.org/presentationml/2006/main">
-  <p:cSld>
-    <p:spTree>
-      <p:nvGrpSpPr>
-        <p:cNvPr id="1" name=""/>
-        <p:cNvGrpSpPr/>
-        <p:nvPr/>
-      </p:nvGrpSpPr>
-      <p:grpSpPr>
-        <a:xfrm>
-          <a:off x="0" y="0"/>
-          <a:ext cx="0" cy="0"/>
-          <a:chOff x="0" y="0"/>
-          <a:chExt cx="0" cy="0"/>
-        </a:xfrm>
-      </p:grpSpPr>
-      <p:sp>
-        <p:nvSpPr>
-          <p:cNvPr id="2" name="标题 1"/>
-          <p:cNvSpPr>
-            <a:spLocks noGrp="1"/>
-          </p:cNvSpPr>
-          <p:nvPr>
-            <p:ph type="title"/>
-          </p:nvPr>
-        </p:nvSpPr>
-        <p:spPr/>
-        <p:txBody>
-          <a:bodyPr/>
-          <a:lstStyle/>
-          <a:p>
-            <a:r>
-              <a:rPr lang="en-US" altLang="zh-CN" dirty="0" smtClean="0"/>
-              <a:t>FAQ</a:t>
-            </a:r>
-            <a:endParaRPr lang="zh-CN" altLang="en-US" dirty="0"/>
-          </a:p>
-        </p:txBody>
-      </p:sp>
-      <p:sp>
-        <p:nvSpPr>
-          <p:cNvPr id="3" name="内容占位符 2"/>
-          <p:cNvSpPr>
-            <a:spLocks noGrp="1"/>
-          </p:cNvSpPr>
-          <p:nvPr>
-            <p:ph idx="1"/>
-          </p:nvPr>
-        </p:nvSpPr>
-        <p:spPr/>
-        <p:txBody>
-          <a:bodyPr/>
-          <a:lstStyle/>
-          <a:p>
-            <a:endParaRPr lang="zh-CN" altLang="en-US" dirty="0"/>
-          </a:p>
-        </p:txBody>
-      </p:sp>
-      <p:pic>
-        <p:nvPicPr>
-          <p:cNvPr id="1026" name="Picture 2"/>
-          <p:cNvPicPr>
-            <a:picLocks noChangeAspect="1" noChangeArrowheads="1"/>
-          </p:cNvPicPr>
-          <p:nvPr/>
-        </p:nvPicPr>
-        <p:blipFill>
-          <a:blip r:embed="rId2">
-            <a:extLst>
-              <a:ext uri="{28A0092B-C50C-407E-A947-70E740481C1C}">
-                <a14:useLocalDpi xmlns:a14="http://schemas.microsoft.com/office/drawing/2010/main" val="0"/>
-              </a:ext>
-            </a:extLst>
-          </a:blip>
-          <a:srcRect/>
-          <a:stretch>
-            <a:fillRect/>
-          </a:stretch>
-        </p:blipFill>
-        <p:spPr bwMode="auto">
-          <a:xfrm>
-            <a:off x="828674" y="1665060"/>
-            <a:ext cx="3095253" cy="4276647"/>
-          </a:xfrm>
-          <a:prstGeom prst="rect">
-            <a:avLst/>
-          </a:prstGeom>
-          <a:noFill/>
-          <a:ln>
-            <a:noFill/>
-          </a:ln>
-          <a:extLst>
-            <a:ext uri="{909E8E84-426E-40dd-AFC4-6F175D3DCCD1}">
-              <a14:hiddenFill xmlns:a14="http://schemas.microsoft.com/office/drawing/2010/main">
-                <a:solidFill>
-                  <a:schemeClr val="accent1"/>
-                </a:solidFill>
-              </a14:hiddenFill>
-            </a:ext>
-            <a:ext uri="{91240B29-F687-4f45-9708-019B960494DF}">
-              <a14:hiddenLine xmlns:a14="http://schemas.microsoft.com/office/drawing/2010/main" w="9525">
-                <a:solidFill>
-                  <a:schemeClr val="tx1"/>
-                </a:solidFill>
-                <a:miter lim="800000"/>
-                <a:headEnd/>
-                <a:tailEnd/>
-              </a14:hiddenLine>
-            </a:ext>
-          </a:extLst>
-        </p:spPr>
-      </p:pic>
-    </p:spTree>
-    <p:extLst>
-      <p:ext uri="{BB962C8B-B14F-4D97-AF65-F5344CB8AC3E}">
-        <p14:creationId xmlns:p14="http://schemas.microsoft.com/office/powerpoint/2010/main" val="2099389396"/>
-      </p:ext>
-    </p:extLst>
-  </p:cSld>
-  <p:clrMapOvr>
-    <a:masterClrMapping/>
-  </p:clrMapOvr>
-  <p:timing>
-    <p:tnLst>
-      <p:par>
-        <p:cTn xmlns:p14="http://schemas.microsoft.com/office/powerpoint/2010/main" id="1" dur="indefinite" restart="never" nodeType="tmRoot"/>
-      </p:par>
-    </p:tnLst>
-  </p:timing>
 </p:sld>
 </file>
 
@@ -4683,7 +4573,7 @@
   <p:timing>
     <p:tnLst>
       <p:par>
-        <p:cTn xmlns:p14="http://schemas.microsoft.com/office/powerpoint/2010/main" id="1" dur="indefinite" restart="never" nodeType="tmRoot"/>
+        <p:cTn id="1" dur="indefinite" restart="never" nodeType="tmRoot"/>
       </p:par>
     </p:tnLst>
   </p:timing>
@@ -4896,7 +4786,7 @@
   <p:timing>
     <p:tnLst>
       <p:par>
-        <p:cTn xmlns:p14="http://schemas.microsoft.com/office/powerpoint/2010/main" id="1" dur="indefinite" restart="never" nodeType="tmRoot"/>
+        <p:cTn id="1" dur="indefinite" restart="never" nodeType="tmRoot"/>
       </p:par>
     </p:tnLst>
   </p:timing>
@@ -5205,7 +5095,7 @@
   <p:timing>
     <p:tnLst>
       <p:par>
-        <p:cTn xmlns:p14="http://schemas.microsoft.com/office/powerpoint/2010/main" id="1" dur="indefinite" restart="never" nodeType="tmRoot"/>
+        <p:cTn id="1" dur="indefinite" restart="never" nodeType="tmRoot"/>
       </p:par>
     </p:tnLst>
   </p:timing>
@@ -5288,7 +5178,7 @@
   <p:timing>
     <p:tnLst>
       <p:par>
-        <p:cTn xmlns:p14="http://schemas.microsoft.com/office/powerpoint/2010/main" id="1" dur="indefinite" restart="never" nodeType="tmRoot"/>
+        <p:cTn id="1" dur="indefinite" restart="never" nodeType="tmRoot"/>
       </p:par>
     </p:tnLst>
   </p:timing>
@@ -5396,7 +5286,7 @@
   <p:timing>
     <p:tnLst>
       <p:par>
-        <p:cTn xmlns:p14="http://schemas.microsoft.com/office/powerpoint/2010/main" id="1" dur="indefinite" restart="never" nodeType="tmRoot"/>
+        <p:cTn id="1" dur="indefinite" restart="never" nodeType="tmRoot"/>
       </p:par>
     </p:tnLst>
   </p:timing>
@@ -5404,74 +5294,6 @@
 </file>
 
 <file path=ppt/slides/slide7.xml><?xml version="1.0" encoding="utf-8"?>
-<p:sld xmlns:a="http://schemas.openxmlformats.org/drawingml/2006/main" xmlns:r="http://schemas.openxmlformats.org/officeDocument/2006/relationships" xmlns:p="http://schemas.openxmlformats.org/presentationml/2006/main">
-  <p:cSld>
-    <p:spTree>
-      <p:nvGrpSpPr>
-        <p:cNvPr id="1" name=""/>
-        <p:cNvGrpSpPr/>
-        <p:nvPr/>
-      </p:nvGrpSpPr>
-      <p:grpSpPr>
-        <a:xfrm>
-          <a:off x="0" y="0"/>
-          <a:ext cx="0" cy="0"/>
-          <a:chOff x="0" y="0"/>
-          <a:chExt cx="0" cy="0"/>
-        </a:xfrm>
-      </p:grpSpPr>
-      <p:sp>
-        <p:nvSpPr>
-          <p:cNvPr id="2" name="Title 1"/>
-          <p:cNvSpPr>
-            <a:spLocks noGrp="1"/>
-          </p:cNvSpPr>
-          <p:nvPr>
-            <p:ph type="title"/>
-          </p:nvPr>
-        </p:nvSpPr>
-        <p:spPr/>
-        <p:txBody>
-          <a:bodyPr/>
-          <a:lstStyle/>
-          <a:p>
-            <a:endParaRPr lang="en-US"/>
-          </a:p>
-        </p:txBody>
-      </p:sp>
-      <p:sp>
-        <p:nvSpPr>
-          <p:cNvPr id="3" name="Content Placeholder 2"/>
-          <p:cNvSpPr>
-            <a:spLocks noGrp="1"/>
-          </p:cNvSpPr>
-          <p:nvPr>
-            <p:ph idx="1"/>
-          </p:nvPr>
-        </p:nvSpPr>
-        <p:spPr/>
-        <p:txBody>
-          <a:bodyPr/>
-          <a:lstStyle/>
-          <a:p>
-            <a:endParaRPr lang="en-US"/>
-          </a:p>
-        </p:txBody>
-      </p:sp>
-    </p:spTree>
-    <p:extLst>
-      <p:ext uri="{BB962C8B-B14F-4D97-AF65-F5344CB8AC3E}">
-        <p14:creationId xmlns:p14="http://schemas.microsoft.com/office/powerpoint/2010/main" val="4045289868"/>
-      </p:ext>
-    </p:extLst>
-  </p:cSld>
-  <p:clrMapOvr>
-    <a:masterClrMapping/>
-  </p:clrMapOvr>
-</p:sld>
-</file>
-
-<file path=ppt/slides/slide8.xml><?xml version="1.0" encoding="utf-8"?>
 <p:sld xmlns:a="http://schemas.openxmlformats.org/drawingml/2006/main" xmlns:r="http://schemas.openxmlformats.org/officeDocument/2006/relationships" xmlns:p="http://schemas.openxmlformats.org/presentationml/2006/main">
   <p:cSld>
     <p:spTree>
@@ -5548,6 +5370,85 @@
 </p:sld>
 </file>
 
+<file path=ppt/slides/slide8.xml><?xml version="1.0" encoding="utf-8"?>
+<p:sld xmlns:a="http://schemas.openxmlformats.org/drawingml/2006/main" xmlns:r="http://schemas.openxmlformats.org/officeDocument/2006/relationships" xmlns:p="http://schemas.openxmlformats.org/presentationml/2006/main">
+  <p:cSld>
+    <p:spTree>
+      <p:nvGrpSpPr>
+        <p:cNvPr id="1" name=""/>
+        <p:cNvGrpSpPr/>
+        <p:nvPr/>
+      </p:nvGrpSpPr>
+      <p:grpSpPr>
+        <a:xfrm>
+          <a:off x="0" y="0"/>
+          <a:ext cx="0" cy="0"/>
+          <a:chOff x="0" y="0"/>
+          <a:chExt cx="0" cy="0"/>
+        </a:xfrm>
+      </p:grpSpPr>
+      <p:sp>
+        <p:nvSpPr>
+          <p:cNvPr id="2" name="Title 1"/>
+          <p:cNvSpPr>
+            <a:spLocks noGrp="1"/>
+          </p:cNvSpPr>
+          <p:nvPr>
+            <p:ph type="title"/>
+          </p:nvPr>
+        </p:nvSpPr>
+        <p:spPr/>
+        <p:txBody>
+          <a:bodyPr/>
+          <a:lstStyle/>
+          <a:p>
+            <a:r>
+              <a:rPr lang="en-US" dirty="0" err="1"/>
+              <a:t>wireshark-protobuf</a:t>
+            </a:r>
+            <a:endParaRPr lang="en-US" dirty="0"/>
+          </a:p>
+        </p:txBody>
+      </p:sp>
+      <p:sp>
+        <p:nvSpPr>
+          <p:cNvPr id="3" name="Content Placeholder 2"/>
+          <p:cNvSpPr>
+            <a:spLocks noGrp="1"/>
+          </p:cNvSpPr>
+          <p:nvPr>
+            <p:ph idx="1"/>
+          </p:nvPr>
+        </p:nvSpPr>
+        <p:spPr/>
+        <p:txBody>
+          <a:bodyPr/>
+          <a:lstStyle/>
+          <a:p>
+            <a:endParaRPr lang="en-US"/>
+          </a:p>
+        </p:txBody>
+      </p:sp>
+    </p:spTree>
+    <p:extLst>
+      <p:ext uri="{BB962C8B-B14F-4D97-AF65-F5344CB8AC3E}">
+        <p14:creationId xmlns:p14="http://schemas.microsoft.com/office/powerpoint/2010/main" val="4209064105"/>
+      </p:ext>
+    </p:extLst>
+  </p:cSld>
+  <p:clrMapOvr>
+    <a:masterClrMapping/>
+  </p:clrMapOvr>
+  <p:timing>
+    <p:tnLst>
+      <p:par>
+        <p:cTn id="1" dur="indefinite" restart="never" nodeType="tmRoot"/>
+      </p:par>
+    </p:tnLst>
+  </p:timing>
+</p:sld>
+</file>
+
 <file path=ppt/slides/slide9.xml><?xml version="1.0" encoding="utf-8"?>
 <p:sld xmlns:a="http://schemas.openxmlformats.org/drawingml/2006/main" xmlns:r="http://schemas.openxmlformats.org/officeDocument/2006/relationships" xmlns:p="http://schemas.openxmlformats.org/presentationml/2006/main">
   <p:cSld>
@@ -5567,7 +5468,7 @@
       </p:grpSpPr>
       <p:sp>
         <p:nvSpPr>
-          <p:cNvPr id="2" name="Title 1"/>
+          <p:cNvPr id="2" name="标题 1"/>
           <p:cNvSpPr>
             <a:spLocks noGrp="1"/>
           </p:cNvSpPr>
@@ -5581,16 +5482,16 @@
           <a:lstStyle/>
           <a:p>
             <a:r>
-              <a:rPr lang="en-US" dirty="0" err="1"/>
-              <a:t>wireshark-protobuf</a:t>
-            </a:r>
-            <a:endParaRPr lang="en-US" dirty="0"/>
-          </a:p>
-        </p:txBody>
-      </p:sp>
-      <p:sp>
-        <p:nvSpPr>
-          <p:cNvPr id="3" name="Content Placeholder 2"/>
+              <a:rPr lang="en-US" altLang="zh-CN" dirty="0" smtClean="0"/>
+              <a:t>FAQ</a:t>
+            </a:r>
+            <a:endParaRPr lang="zh-CN" altLang="en-US" dirty="0"/>
+          </a:p>
+        </p:txBody>
+      </p:sp>
+      <p:sp>
+        <p:nvSpPr>
+          <p:cNvPr id="3" name="内容占位符 2"/>
           <p:cNvSpPr>
             <a:spLocks noGrp="1"/>
           </p:cNvSpPr>
@@ -5603,14 +5504,68 @@
           <a:bodyPr/>
           <a:lstStyle/>
           <a:p>
-            <a:endParaRPr lang="en-US"/>
-          </a:p>
-        </p:txBody>
-      </p:sp>
+            <a:endParaRPr lang="zh-CN" altLang="en-US" dirty="0"/>
+          </a:p>
+        </p:txBody>
+      </p:sp>
+      <p:pic>
+        <p:nvPicPr>
+          <p:cNvPr id="1026" name="Picture 2"/>
+          <p:cNvPicPr>
+            <a:picLocks noChangeAspect="1" noChangeArrowheads="1"/>
+          </p:cNvPicPr>
+          <p:nvPr/>
+        </p:nvPicPr>
+        <p:blipFill>
+          <a:blip r:embed="rId2">
+            <a:extLst>
+              <a:ext uri="{28A0092B-C50C-407E-A947-70E740481C1C}">
+                <a14:useLocalDpi xmlns:a14="http://schemas.microsoft.com/office/drawing/2010/main" val="0"/>
+              </a:ext>
+            </a:extLst>
+          </a:blip>
+          <a:srcRect/>
+          <a:stretch>
+            <a:fillRect/>
+          </a:stretch>
+        </p:blipFill>
+        <p:spPr bwMode="auto">
+          <a:xfrm>
+            <a:off x="828674" y="1665060"/>
+            <a:ext cx="3095253" cy="4276647"/>
+          </a:xfrm>
+          <a:prstGeom prst="rect">
+            <a:avLst/>
+          </a:prstGeom>
+          <a:noFill/>
+          <a:ln>
+            <a:noFill/>
+          </a:ln>
+          <a:extLst>
+            <a:ext uri="{909E8E84-426E-40dd-AFC4-6F175D3DCCD1}">
+              <a14:hiddenFill xmlns:a14="http://schemas.microsoft.com/office/drawing/2010/main" xmlns="">
+                <a:solidFill>
+                  <a:schemeClr val="accent1"/>
+                </a:solidFill>
+              </a14:hiddenFill>
+            </a:ext>
+            <a:ext uri="{91240B29-F687-4f45-9708-019B960494DF}">
+              <a14:hiddenLine xmlns:a14="http://schemas.microsoft.com/office/drawing/2010/main" xmlns="" w="9525">
+                <a:solidFill>
+                  <a:schemeClr val="tx1"/>
+                </a:solidFill>
+                <a:miter lim="800000"/>
+                <a:headEnd/>
+                <a:tailEnd/>
+              </a14:hiddenLine>
+            </a:ext>
+          </a:extLst>
+        </p:spPr>
+      </p:pic>
     </p:spTree>
     <p:extLst>
       <p:ext uri="{BB962C8B-B14F-4D97-AF65-F5344CB8AC3E}">
-        <p14:creationId xmlns:p14="http://schemas.microsoft.com/office/powerpoint/2010/main" val="4209064105"/>
+        <p14:creationId xmlns:p14="http://schemas.microsoft.com/office/powerpoint/2010/main" val="2099389396"/>
       </p:ext>
     </p:extLst>
   </p:cSld>
@@ -5620,7 +5575,7 @@
   <p:timing>
     <p:tnLst>
       <p:par>
-        <p:cTn xmlns:p14="http://schemas.microsoft.com/office/powerpoint/2010/main" id="1" dur="indefinite" restart="never" nodeType="tmRoot"/>
+        <p:cTn id="1" dur="indefinite" restart="never" nodeType="tmRoot"/>
       </p:par>
     </p:tnLst>
   </p:timing>
